--- a/classes/prog2020/Prog3-Lecture02.pptx
+++ b/classes/prog2020/Prog3-Lecture02.pptx
@@ -3453,7 +3453,21 @@
                 <a:latin typeface="Arial" panose="020B0604020202020204" pitchFamily="34" charset="0"/>
                 <a:cs typeface="Arial" panose="020B0604020202020204" pitchFamily="34" charset="0"/>
               </a:rPr>
-              <a:t>The working your directory is what your operating systems sees.</a:t>
+              <a:t>The </a:t>
+            </a:r>
+            <a:r>
+              <a:rPr lang="en-US">
+                <a:latin typeface="Arial" panose="020B0604020202020204" pitchFamily="34" charset="0"/>
+                <a:cs typeface="Arial" panose="020B0604020202020204" pitchFamily="34" charset="0"/>
+              </a:rPr>
+              <a:t>working directory </a:t>
+            </a:r>
+            <a:r>
+              <a:rPr lang="en-US" dirty="0">
+                <a:latin typeface="Arial" panose="020B0604020202020204" pitchFamily="34" charset="0"/>
+                <a:cs typeface="Arial" panose="020B0604020202020204" pitchFamily="34" charset="0"/>
+              </a:rPr>
+              <a:t>is what your operating systems sees.</a:t>
             </a:r>
           </a:p>
           <a:p>
